--- a/java/java-logic/Slide-Java-Logic-03.pptx
+++ b/java/java-logic/Slide-Java-Logic-03.pptx
@@ -5,7 +5,7 @@
     <p:sldMasterId id="2147483657" r:id="rId1"/>
   </p:sldMasterIdLst>
   <p:notesMasterIdLst>
-    <p:notesMasterId r:id="rId30"/>
+    <p:notesMasterId r:id="rId28"/>
   </p:notesMasterIdLst>
   <p:sldIdLst>
     <p:sldId id="256" r:id="rId2"/>
@@ -32,34 +32,32 @@
     <p:sldId id="316" r:id="rId23"/>
     <p:sldId id="338" r:id="rId24"/>
     <p:sldId id="339" r:id="rId25"/>
-    <p:sldId id="340" r:id="rId26"/>
-    <p:sldId id="341" r:id="rId27"/>
-    <p:sldId id="337" r:id="rId28"/>
-    <p:sldId id="336" r:id="rId29"/>
+    <p:sldId id="337" r:id="rId26"/>
+    <p:sldId id="336" r:id="rId27"/>
   </p:sldIdLst>
   <p:sldSz cx="9144000" cy="5143500" type="screen16x9"/>
   <p:notesSz cx="6858000" cy="9144000"/>
   <p:embeddedFontLst>
     <p:embeddedFont>
       <p:font typeface="Arvo" panose="020B0604020202020204" charset="0"/>
-      <p:regular r:id="rId31"/>
-      <p:bold r:id="rId32"/>
-      <p:italic r:id="rId33"/>
-      <p:boldItalic r:id="rId34"/>
+      <p:regular r:id="rId29"/>
+      <p:bold r:id="rId30"/>
+      <p:italic r:id="rId31"/>
+      <p:boldItalic r:id="rId32"/>
     </p:embeddedFont>
     <p:embeddedFont>
       <p:font typeface="Roboto Condensed" panose="020B0604020202020204" charset="0"/>
-      <p:regular r:id="rId35"/>
-      <p:bold r:id="rId36"/>
-      <p:italic r:id="rId37"/>
-      <p:boldItalic r:id="rId38"/>
+      <p:regular r:id="rId33"/>
+      <p:bold r:id="rId34"/>
+      <p:italic r:id="rId35"/>
+      <p:boldItalic r:id="rId36"/>
     </p:embeddedFont>
     <p:embeddedFont>
       <p:font typeface="Roboto Condensed Light" panose="020B0604020202020204" charset="0"/>
-      <p:regular r:id="rId39"/>
-      <p:bold r:id="rId40"/>
-      <p:italic r:id="rId41"/>
-      <p:boldItalic r:id="rId42"/>
+      <p:regular r:id="rId37"/>
+      <p:bold r:id="rId38"/>
+      <p:italic r:id="rId39"/>
+      <p:boldItalic r:id="rId40"/>
     </p:embeddedFont>
   </p:embeddedFontLst>
   <p:defaultTextStyle>
@@ -340,8 +338,6 @@
             <p14:sldId id="316"/>
             <p14:sldId id="338"/>
             <p14:sldId id="339"/>
-            <p14:sldId id="340"/>
-            <p14:sldId id="341"/>
             <p14:sldId id="337"/>
             <p14:sldId id="336"/>
           </p14:sldIdLst>
@@ -14576,6 +14572,44 @@
       </p:grpSpPr>
       <p:sp>
         <p:nvSpPr>
+          <p:cNvPr id="4" name="Slide Number Placeholder 3">
+            <a:extLst>
+              <a:ext uri="{FF2B5EF4-FFF2-40B4-BE49-F238E27FC236}">
+                <a16:creationId xmlns:a16="http://schemas.microsoft.com/office/drawing/2014/main" id="{6752FC7D-7C8A-4324-B90E-78DEDC993E61}"/>
+              </a:ext>
+            </a:extLst>
+          </p:cNvPr>
+          <p:cNvSpPr>
+            <a:spLocks noGrp="1"/>
+          </p:cNvSpPr>
+          <p:nvPr>
+            <p:ph type="sldNum" idx="12"/>
+          </p:nvPr>
+        </p:nvSpPr>
+        <p:spPr/>
+        <p:txBody>
+          <a:bodyPr/>
+          <a:lstStyle/>
+          <a:p>
+            <a:pPr marL="0" lvl="0" indent="0" algn="r" rtl="0">
+              <a:spcBef>
+                <a:spcPts val="0"/>
+              </a:spcBef>
+              <a:spcAft>
+                <a:spcPts val="0"/>
+              </a:spcAft>
+              <a:buNone/>
+            </a:pPr>
+            <a:fld id="{00000000-1234-1234-1234-123412341234}" type="slidenum">
+              <a:rPr lang="en" smtClean="0"/>
+              <a:t>23</a:t>
+            </a:fld>
+            <a:endParaRPr lang="en"/>
+          </a:p>
+        </p:txBody>
+      </p:sp>
+      <p:sp>
+        <p:nvSpPr>
           <p:cNvPr id="5" name="Title 4">
             <a:extLst>
               <a:ext uri="{FF2B5EF4-FFF2-40B4-BE49-F238E27FC236}">
@@ -14603,50 +14637,12 @@
           </a:p>
         </p:txBody>
       </p:sp>
-      <p:sp>
-        <p:nvSpPr>
-          <p:cNvPr id="4" name="Slide Number Placeholder 3">
+      <p:pic>
+        <p:nvPicPr>
+          <p:cNvPr id="6" name="Picture 5">
             <a:extLst>
               <a:ext uri="{FF2B5EF4-FFF2-40B4-BE49-F238E27FC236}">
-                <a16:creationId xmlns:a16="http://schemas.microsoft.com/office/drawing/2014/main" id="{6752FC7D-7C8A-4324-B90E-78DEDC993E61}"/>
-              </a:ext>
-            </a:extLst>
-          </p:cNvPr>
-          <p:cNvSpPr>
-            <a:spLocks noGrp="1"/>
-          </p:cNvSpPr>
-          <p:nvPr>
-            <p:ph type="sldNum" idx="12"/>
-          </p:nvPr>
-        </p:nvSpPr>
-        <p:spPr/>
-        <p:txBody>
-          <a:bodyPr/>
-          <a:lstStyle/>
-          <a:p>
-            <a:pPr marL="0" lvl="0" indent="0" algn="r" rtl="0">
-              <a:spcBef>
-                <a:spcPts val="0"/>
-              </a:spcBef>
-              <a:spcAft>
-                <a:spcPts val="0"/>
-              </a:spcAft>
-              <a:buNone/>
-            </a:pPr>
-            <a:fld id="{00000000-1234-1234-1234-123412341234}" type="slidenum">
-              <a:rPr lang="en" smtClean="0"/>
-              <a:t>23</a:t>
-            </a:fld>
-            <a:endParaRPr lang="en"/>
-          </a:p>
-        </p:txBody>
-      </p:sp>
-      <p:pic>
-        <p:nvPicPr>
-          <p:cNvPr id="7" name="Picture 6">
-            <a:extLst>
-              <a:ext uri="{FF2B5EF4-FFF2-40B4-BE49-F238E27FC236}">
-                <a16:creationId xmlns:a16="http://schemas.microsoft.com/office/drawing/2014/main" id="{4B23BF54-5FBE-4DF2-95F0-851B50A6F077}"/>
+                <a16:creationId xmlns:a16="http://schemas.microsoft.com/office/drawing/2014/main" id="{4D59C670-42A6-4F54-932C-FEC22C380337}"/>
               </a:ext>
             </a:extLst>
           </p:cNvPr>
@@ -14663,8 +14659,8 @@
         </p:blipFill>
         <p:spPr>
           <a:xfrm>
-            <a:off x="814275" y="1335619"/>
-            <a:ext cx="6210300" cy="2733675"/>
+            <a:off x="457201" y="627526"/>
+            <a:ext cx="4952999" cy="4164684"/>
           </a:xfrm>
           <a:prstGeom prst="rect">
             <a:avLst/>
@@ -14703,6 +14699,74 @@
       </p:grpSpPr>
       <p:sp>
         <p:nvSpPr>
+          <p:cNvPr id="4" name="Slide Number Placeholder 3">
+            <a:extLst>
+              <a:ext uri="{FF2B5EF4-FFF2-40B4-BE49-F238E27FC236}">
+                <a16:creationId xmlns:a16="http://schemas.microsoft.com/office/drawing/2014/main" id="{09CF1CBD-D9B1-4160-9D05-B4677C23AEA6}"/>
+              </a:ext>
+            </a:extLst>
+          </p:cNvPr>
+          <p:cNvSpPr>
+            <a:spLocks noGrp="1"/>
+          </p:cNvSpPr>
+          <p:nvPr>
+            <p:ph type="sldNum" idx="12"/>
+          </p:nvPr>
+        </p:nvSpPr>
+        <p:spPr/>
+        <p:txBody>
+          <a:bodyPr/>
+          <a:lstStyle/>
+          <a:p>
+            <a:pPr marL="0" lvl="0" indent="0" algn="r" rtl="0">
+              <a:spcBef>
+                <a:spcPts val="0"/>
+              </a:spcBef>
+              <a:spcAft>
+                <a:spcPts val="0"/>
+              </a:spcAft>
+              <a:buNone/>
+            </a:pPr>
+            <a:fld id="{00000000-1234-1234-1234-123412341234}" type="slidenum">
+              <a:rPr lang="en" smtClean="0"/>
+              <a:t>24</a:t>
+            </a:fld>
+            <a:endParaRPr lang="en"/>
+          </a:p>
+        </p:txBody>
+      </p:sp>
+      <p:sp>
+        <p:nvSpPr>
+          <p:cNvPr id="8" name="Text Placeholder 7">
+            <a:extLst>
+              <a:ext uri="{FF2B5EF4-FFF2-40B4-BE49-F238E27FC236}">
+                <a16:creationId xmlns:a16="http://schemas.microsoft.com/office/drawing/2014/main" id="{23B10BE8-4CA4-4D6C-A30D-F29C2491C046}"/>
+              </a:ext>
+            </a:extLst>
+          </p:cNvPr>
+          <p:cNvSpPr>
+            <a:spLocks noGrp="1"/>
+          </p:cNvSpPr>
+          <p:nvPr>
+            <p:ph type="body" idx="1"/>
+          </p:nvPr>
+        </p:nvSpPr>
+        <p:spPr>
+          <a:xfrm>
+            <a:off x="457200" y="2952750"/>
+            <a:ext cx="8229599" cy="1702376"/>
+          </a:xfrm>
+        </p:spPr>
+        <p:txBody>
+          <a:bodyPr/>
+          <a:lstStyle/>
+          <a:p>
+            <a:endParaRPr lang="en-ID" dirty="0"/>
+          </a:p>
+        </p:txBody>
+      </p:sp>
+      <p:sp>
+        <p:nvSpPr>
           <p:cNvPr id="2" name="Title 1">
             <a:extLst>
               <a:ext uri="{FF2B5EF4-FFF2-40B4-BE49-F238E27FC236}">
@@ -14730,50 +14794,12 @@
           </a:p>
         </p:txBody>
       </p:sp>
-      <p:sp>
-        <p:nvSpPr>
-          <p:cNvPr id="4" name="Slide Number Placeholder 3">
+      <p:pic>
+        <p:nvPicPr>
+          <p:cNvPr id="7" name="Picture 6">
             <a:extLst>
               <a:ext uri="{FF2B5EF4-FFF2-40B4-BE49-F238E27FC236}">
-                <a16:creationId xmlns:a16="http://schemas.microsoft.com/office/drawing/2014/main" id="{09CF1CBD-D9B1-4160-9D05-B4677C23AEA6}"/>
-              </a:ext>
-            </a:extLst>
-          </p:cNvPr>
-          <p:cNvSpPr>
-            <a:spLocks noGrp="1"/>
-          </p:cNvSpPr>
-          <p:nvPr>
-            <p:ph type="sldNum" idx="12"/>
-          </p:nvPr>
-        </p:nvSpPr>
-        <p:spPr/>
-        <p:txBody>
-          <a:bodyPr/>
-          <a:lstStyle/>
-          <a:p>
-            <a:pPr marL="0" lvl="0" indent="0" algn="r" rtl="0">
-              <a:spcBef>
-                <a:spcPts val="0"/>
-              </a:spcBef>
-              <a:spcAft>
-                <a:spcPts val="0"/>
-              </a:spcAft>
-              <a:buNone/>
-            </a:pPr>
-            <a:fld id="{00000000-1234-1234-1234-123412341234}" type="slidenum">
-              <a:rPr lang="en" smtClean="0"/>
-              <a:t>24</a:t>
-            </a:fld>
-            <a:endParaRPr lang="en"/>
-          </a:p>
-        </p:txBody>
-      </p:sp>
-      <p:pic>
-        <p:nvPicPr>
-          <p:cNvPr id="5" name="Picture 4">
-            <a:extLst>
-              <a:ext uri="{FF2B5EF4-FFF2-40B4-BE49-F238E27FC236}">
-                <a16:creationId xmlns:a16="http://schemas.microsoft.com/office/drawing/2014/main" id="{32B68EB9-1E4E-496C-86FA-5E59C5DE60DE}"/>
+                <a16:creationId xmlns:a16="http://schemas.microsoft.com/office/drawing/2014/main" id="{A8FF84D2-1559-4B44-9941-5A40DE28FE0E}"/>
               </a:ext>
             </a:extLst>
           </p:cNvPr>
@@ -14790,8 +14816,8 @@
         </p:blipFill>
         <p:spPr>
           <a:xfrm>
-            <a:off x="685799" y="1357176"/>
-            <a:ext cx="5620875" cy="3348174"/>
+            <a:off x="685800" y="666751"/>
+            <a:ext cx="5439368" cy="2147978"/>
           </a:xfrm>
           <a:prstGeom prst="rect">
             <a:avLst/>
@@ -14830,290 +14856,6 @@
       </p:grpSpPr>
       <p:sp>
         <p:nvSpPr>
-          <p:cNvPr id="2" name="Title 1">
-            <a:extLst>
-              <a:ext uri="{FF2B5EF4-FFF2-40B4-BE49-F238E27FC236}">
-                <a16:creationId xmlns:a16="http://schemas.microsoft.com/office/drawing/2014/main" id="{448A8567-68DD-4F0A-BDA6-5B2BC2682086}"/>
-              </a:ext>
-            </a:extLst>
-          </p:cNvPr>
-          <p:cNvSpPr>
-            <a:spLocks noGrp="1"/>
-          </p:cNvSpPr>
-          <p:nvPr>
-            <p:ph type="title"/>
-          </p:nvPr>
-        </p:nvSpPr>
-        <p:spPr/>
-        <p:txBody>
-          <a:bodyPr/>
-          <a:lstStyle/>
-          <a:p>
-            <a:r>
-              <a:rPr lang="en-US" dirty="0"/>
-              <a:t>Study Case – Logic 03</a:t>
-            </a:r>
-            <a:endParaRPr lang="en-ID" dirty="0"/>
-          </a:p>
-        </p:txBody>
-      </p:sp>
-      <p:sp>
-        <p:nvSpPr>
-          <p:cNvPr id="4" name="Slide Number Placeholder 3">
-            <a:extLst>
-              <a:ext uri="{FF2B5EF4-FFF2-40B4-BE49-F238E27FC236}">
-                <a16:creationId xmlns:a16="http://schemas.microsoft.com/office/drawing/2014/main" id="{BA073021-0C05-40AA-B91E-1E55376CB5B7}"/>
-              </a:ext>
-            </a:extLst>
-          </p:cNvPr>
-          <p:cNvSpPr>
-            <a:spLocks noGrp="1"/>
-          </p:cNvSpPr>
-          <p:nvPr>
-            <p:ph type="sldNum" idx="12"/>
-          </p:nvPr>
-        </p:nvSpPr>
-        <p:spPr/>
-        <p:txBody>
-          <a:bodyPr/>
-          <a:lstStyle/>
-          <a:p>
-            <a:pPr marL="0" lvl="0" indent="0" algn="r" rtl="0">
-              <a:spcBef>
-                <a:spcPts val="0"/>
-              </a:spcBef>
-              <a:spcAft>
-                <a:spcPts val="0"/>
-              </a:spcAft>
-              <a:buNone/>
-            </a:pPr>
-            <a:fld id="{00000000-1234-1234-1234-123412341234}" type="slidenum">
-              <a:rPr lang="en" smtClean="0"/>
-              <a:t>25</a:t>
-            </a:fld>
-            <a:endParaRPr lang="en"/>
-          </a:p>
-        </p:txBody>
-      </p:sp>
-      <p:pic>
-        <p:nvPicPr>
-          <p:cNvPr id="5" name="Picture 4">
-            <a:extLst>
-              <a:ext uri="{FF2B5EF4-FFF2-40B4-BE49-F238E27FC236}">
-                <a16:creationId xmlns:a16="http://schemas.microsoft.com/office/drawing/2014/main" id="{CAC1CC30-3DAC-4113-857C-DCC4949C1F8E}"/>
-              </a:ext>
-            </a:extLst>
-          </p:cNvPr>
-          <p:cNvPicPr>
-            <a:picLocks noChangeAspect="1"/>
-          </p:cNvPicPr>
-          <p:nvPr/>
-        </p:nvPicPr>
-        <p:blipFill>
-          <a:blip r:embed="rId2"/>
-          <a:stretch>
-            <a:fillRect/>
-          </a:stretch>
-        </p:blipFill>
-        <p:spPr>
-          <a:xfrm>
-            <a:off x="814274" y="1335616"/>
-            <a:ext cx="6160203" cy="3300884"/>
-          </a:xfrm>
-          <a:prstGeom prst="rect">
-            <a:avLst/>
-          </a:prstGeom>
-        </p:spPr>
-      </p:pic>
-    </p:spTree>
-    <p:extLst>
-      <p:ext uri="{BB962C8B-B14F-4D97-AF65-F5344CB8AC3E}">
-        <p14:creationId xmlns:p14="http://schemas.microsoft.com/office/powerpoint/2010/main" val="3168339070"/>
-      </p:ext>
-    </p:extLst>
-  </p:cSld>
-  <p:clrMapOvr>
-    <a:masterClrMapping/>
-  </p:clrMapOvr>
-</p:sld>
-</file>
-
-<file path=ppt/slides/slide26.xml><?xml version="1.0" encoding="utf-8"?>
-<p:sld xmlns:a="http://schemas.openxmlformats.org/drawingml/2006/main" xmlns:r="http://schemas.openxmlformats.org/officeDocument/2006/relationships" xmlns:p="http://schemas.openxmlformats.org/presentationml/2006/main">
-  <p:cSld>
-    <p:spTree>
-      <p:nvGrpSpPr>
-        <p:cNvPr id="1" name=""/>
-        <p:cNvGrpSpPr/>
-        <p:nvPr/>
-      </p:nvGrpSpPr>
-      <p:grpSpPr>
-        <a:xfrm>
-          <a:off x="0" y="0"/>
-          <a:ext cx="0" cy="0"/>
-          <a:chOff x="0" y="0"/>
-          <a:chExt cx="0" cy="0"/>
-        </a:xfrm>
-      </p:grpSpPr>
-      <p:sp>
-        <p:nvSpPr>
-          <p:cNvPr id="2" name="Title 1">
-            <a:extLst>
-              <a:ext uri="{FF2B5EF4-FFF2-40B4-BE49-F238E27FC236}">
-                <a16:creationId xmlns:a16="http://schemas.microsoft.com/office/drawing/2014/main" id="{448A8567-68DD-4F0A-BDA6-5B2BC2682086}"/>
-              </a:ext>
-            </a:extLst>
-          </p:cNvPr>
-          <p:cNvSpPr>
-            <a:spLocks noGrp="1"/>
-          </p:cNvSpPr>
-          <p:nvPr>
-            <p:ph type="title"/>
-          </p:nvPr>
-        </p:nvSpPr>
-        <p:spPr/>
-        <p:txBody>
-          <a:bodyPr/>
-          <a:lstStyle/>
-          <a:p>
-            <a:r>
-              <a:rPr lang="en-US" dirty="0"/>
-              <a:t>Study Case – Logic 03</a:t>
-            </a:r>
-            <a:endParaRPr lang="en-ID" dirty="0"/>
-          </a:p>
-        </p:txBody>
-      </p:sp>
-      <p:sp>
-        <p:nvSpPr>
-          <p:cNvPr id="4" name="Slide Number Placeholder 3">
-            <a:extLst>
-              <a:ext uri="{FF2B5EF4-FFF2-40B4-BE49-F238E27FC236}">
-                <a16:creationId xmlns:a16="http://schemas.microsoft.com/office/drawing/2014/main" id="{BA073021-0C05-40AA-B91E-1E55376CB5B7}"/>
-              </a:ext>
-            </a:extLst>
-          </p:cNvPr>
-          <p:cNvSpPr>
-            <a:spLocks noGrp="1"/>
-          </p:cNvSpPr>
-          <p:nvPr>
-            <p:ph type="sldNum" idx="12"/>
-          </p:nvPr>
-        </p:nvSpPr>
-        <p:spPr/>
-        <p:txBody>
-          <a:bodyPr/>
-          <a:lstStyle/>
-          <a:p>
-            <a:pPr marL="0" lvl="0" indent="0" algn="r" rtl="0">
-              <a:spcBef>
-                <a:spcPts val="0"/>
-              </a:spcBef>
-              <a:spcAft>
-                <a:spcPts val="0"/>
-              </a:spcAft>
-              <a:buNone/>
-            </a:pPr>
-            <a:fld id="{00000000-1234-1234-1234-123412341234}" type="slidenum">
-              <a:rPr lang="en" smtClean="0"/>
-              <a:t>26</a:t>
-            </a:fld>
-            <a:endParaRPr lang="en"/>
-          </a:p>
-        </p:txBody>
-      </p:sp>
-      <p:pic>
-        <p:nvPicPr>
-          <p:cNvPr id="7" name="Picture 6">
-            <a:extLst>
-              <a:ext uri="{FF2B5EF4-FFF2-40B4-BE49-F238E27FC236}">
-                <a16:creationId xmlns:a16="http://schemas.microsoft.com/office/drawing/2014/main" id="{5F5F2B36-D328-414D-B769-FB861B840775}"/>
-              </a:ext>
-            </a:extLst>
-          </p:cNvPr>
-          <p:cNvPicPr>
-            <a:picLocks noChangeAspect="1"/>
-          </p:cNvPicPr>
-          <p:nvPr/>
-        </p:nvPicPr>
-        <p:blipFill>
-          <a:blip r:embed="rId2"/>
-          <a:stretch>
-            <a:fillRect/>
-          </a:stretch>
-        </p:blipFill>
-        <p:spPr>
-          <a:xfrm>
-            <a:off x="814276" y="1335617"/>
-            <a:ext cx="1408216" cy="2531533"/>
-          </a:xfrm>
-          <a:prstGeom prst="rect">
-            <a:avLst/>
-          </a:prstGeom>
-        </p:spPr>
-      </p:pic>
-      <p:pic>
-        <p:nvPicPr>
-          <p:cNvPr id="8" name="Picture 7">
-            <a:extLst>
-              <a:ext uri="{FF2B5EF4-FFF2-40B4-BE49-F238E27FC236}">
-                <a16:creationId xmlns:a16="http://schemas.microsoft.com/office/drawing/2014/main" id="{1D12A7CE-919A-4BD9-810C-AACE4941C4B1}"/>
-              </a:ext>
-            </a:extLst>
-          </p:cNvPr>
-          <p:cNvPicPr>
-            <a:picLocks noChangeAspect="1"/>
-          </p:cNvPicPr>
-          <p:nvPr/>
-        </p:nvPicPr>
-        <p:blipFill>
-          <a:blip r:embed="rId3"/>
-          <a:stretch>
-            <a:fillRect/>
-          </a:stretch>
-        </p:blipFill>
-        <p:spPr>
-          <a:xfrm>
-            <a:off x="2438400" y="1335617"/>
-            <a:ext cx="6324600" cy="1935582"/>
-          </a:xfrm>
-          <a:prstGeom prst="rect">
-            <a:avLst/>
-          </a:prstGeom>
-        </p:spPr>
-      </p:pic>
-    </p:spTree>
-    <p:extLst>
-      <p:ext uri="{BB962C8B-B14F-4D97-AF65-F5344CB8AC3E}">
-        <p14:creationId xmlns:p14="http://schemas.microsoft.com/office/powerpoint/2010/main" val="1538146823"/>
-      </p:ext>
-    </p:extLst>
-  </p:cSld>
-  <p:clrMapOvr>
-    <a:masterClrMapping/>
-  </p:clrMapOvr>
-</p:sld>
-</file>
-
-<file path=ppt/slides/slide27.xml><?xml version="1.0" encoding="utf-8"?>
-<p:sld xmlns:a="http://schemas.openxmlformats.org/drawingml/2006/main" xmlns:r="http://schemas.openxmlformats.org/officeDocument/2006/relationships" xmlns:p="http://schemas.openxmlformats.org/presentationml/2006/main">
-  <p:cSld>
-    <p:spTree>
-      <p:nvGrpSpPr>
-        <p:cNvPr id="1" name=""/>
-        <p:cNvGrpSpPr/>
-        <p:nvPr/>
-      </p:nvGrpSpPr>
-      <p:grpSpPr>
-        <a:xfrm>
-          <a:off x="0" y="0"/>
-          <a:ext cx="0" cy="0"/>
-          <a:chOff x="0" y="0"/>
-          <a:chExt cx="0" cy="0"/>
-        </a:xfrm>
-      </p:grpSpPr>
-      <p:sp>
-        <p:nvSpPr>
           <p:cNvPr id="4" name="Slide Number Placeholder 3">
             <a:extLst>
               <a:ext uri="{FF2B5EF4-FFF2-40B4-BE49-F238E27FC236}">
@@ -15144,7 +14886,7 @@
             </a:pPr>
             <a:fld id="{00000000-1234-1234-1234-123412341234}" type="slidenum">
               <a:rPr lang="en" smtClean="0"/>
-              <a:t>27</a:t>
+              <a:t>25</a:t>
             </a:fld>
             <a:endParaRPr lang="en"/>
           </a:p>
@@ -16282,7 +16024,7 @@
 </p:sld>
 </file>
 
-<file path=ppt/slides/slide28.xml><?xml version="1.0" encoding="utf-8"?>
+<file path=ppt/slides/slide26.xml><?xml version="1.0" encoding="utf-8"?>
 <p:sld xmlns:a="http://schemas.openxmlformats.org/drawingml/2006/main" xmlns:r="http://schemas.openxmlformats.org/officeDocument/2006/relationships" xmlns:p="http://schemas.openxmlformats.org/presentationml/2006/main">
   <p:cSld>
     <p:spTree>
@@ -16331,7 +16073,7 @@
             </a:pPr>
             <a:fld id="{00000000-1234-1234-1234-123412341234}" type="slidenum">
               <a:rPr lang="en" smtClean="0"/>
-              <a:t>28</a:t>
+              <a:t>26</a:t>
             </a:fld>
             <a:endParaRPr lang="en"/>
           </a:p>

--- a/java/java-logic/Slide-Java-Logic-03.pptx
+++ b/java/java-logic/Slide-Java-Logic-03.pptx
@@ -11662,8 +11662,8 @@
         </p:blipFill>
         <p:spPr>
           <a:xfrm>
-            <a:off x="762001" y="1276350"/>
-            <a:ext cx="2438400" cy="1594594"/>
+            <a:off x="609600" y="1276350"/>
+            <a:ext cx="3379153" cy="2209800"/>
           </a:xfrm>
           <a:prstGeom prst="rect">
             <a:avLst/>
@@ -11891,7 +11891,7 @@
         </p:blipFill>
         <p:spPr>
           <a:xfrm>
-            <a:off x="1039552" y="2190750"/>
+            <a:off x="609600" y="2138516"/>
             <a:ext cx="3200400" cy="1321904"/>
           </a:xfrm>
           <a:prstGeom prst="rect">
@@ -14639,10 +14639,10 @@
       </p:sp>
       <p:pic>
         <p:nvPicPr>
-          <p:cNvPr id="6" name="Picture 5">
+          <p:cNvPr id="3" name="Picture 2">
             <a:extLst>
               <a:ext uri="{FF2B5EF4-FFF2-40B4-BE49-F238E27FC236}">
-                <a16:creationId xmlns:a16="http://schemas.microsoft.com/office/drawing/2014/main" id="{4D59C670-42A6-4F54-932C-FEC22C380337}"/>
+                <a16:creationId xmlns:a16="http://schemas.microsoft.com/office/drawing/2014/main" id="{7EB27517-B463-44E0-AC49-155EB088A642}"/>
               </a:ext>
             </a:extLst>
           </p:cNvPr>
@@ -14659,8 +14659,8 @@
         </p:blipFill>
         <p:spPr>
           <a:xfrm>
-            <a:off x="457201" y="627526"/>
-            <a:ext cx="4952999" cy="4164684"/>
+            <a:off x="457201" y="666750"/>
+            <a:ext cx="5004011" cy="4181230"/>
           </a:xfrm>
           <a:prstGeom prst="rect">
             <a:avLst/>
@@ -17542,9 +17542,8 @@
           <a:p>
             <a:r>
               <a:rPr lang="en-US" dirty="0"/>
-              <a:t>Goal Material</a:t>
+              <a:t>What is Array</a:t>
             </a:r>
-            <a:endParaRPr lang="en-ID" dirty="0"/>
           </a:p>
         </p:txBody>
       </p:sp>
